--- a/ocr/data/ocr 원본.pptx
+++ b/ocr/data/ocr 원본.pptx
@@ -13,6 +13,7 @@
     <p:sldId id="261" r:id="rId7"/>
     <p:sldId id="262" r:id="rId8"/>
     <p:sldId id="263" r:id="rId9"/>
+    <p:sldId id="264" r:id="rId10"/>
   </p:sldIdLst>
   <p:sldSz cx="9144000" cy="6858000" type="screen4x3"/>
   <p:notesSz cx="6858000" cy="9144000"/>
@@ -295,7 +296,7 @@
           <a:p>
             <a:fld id="{9796D750-4F1E-4120-A5FF-8721600070DC}" type="datetimeFigureOut">
               <a:rPr lang="ko-KR" altLang="en-US" smtClean="0"/>
-              <a:t>2020-06-04</a:t>
+              <a:t>2020-06-07</a:t>
             </a:fld>
             <a:endParaRPr lang="ko-KR" altLang="en-US"/>
           </a:p>
@@ -465,7 +466,7 @@
           <a:p>
             <a:fld id="{9796D750-4F1E-4120-A5FF-8721600070DC}" type="datetimeFigureOut">
               <a:rPr lang="ko-KR" altLang="en-US" smtClean="0"/>
-              <a:t>2020-06-04</a:t>
+              <a:t>2020-06-07</a:t>
             </a:fld>
             <a:endParaRPr lang="ko-KR" altLang="en-US"/>
           </a:p>
@@ -645,7 +646,7 @@
           <a:p>
             <a:fld id="{9796D750-4F1E-4120-A5FF-8721600070DC}" type="datetimeFigureOut">
               <a:rPr lang="ko-KR" altLang="en-US" smtClean="0"/>
-              <a:t>2020-06-04</a:t>
+              <a:t>2020-06-07</a:t>
             </a:fld>
             <a:endParaRPr lang="ko-KR" altLang="en-US"/>
           </a:p>
@@ -815,7 +816,7 @@
           <a:p>
             <a:fld id="{9796D750-4F1E-4120-A5FF-8721600070DC}" type="datetimeFigureOut">
               <a:rPr lang="ko-KR" altLang="en-US" smtClean="0"/>
-              <a:t>2020-06-04</a:t>
+              <a:t>2020-06-07</a:t>
             </a:fld>
             <a:endParaRPr lang="ko-KR" altLang="en-US"/>
           </a:p>
@@ -1061,7 +1062,7 @@
           <a:p>
             <a:fld id="{9796D750-4F1E-4120-A5FF-8721600070DC}" type="datetimeFigureOut">
               <a:rPr lang="ko-KR" altLang="en-US" smtClean="0"/>
-              <a:t>2020-06-04</a:t>
+              <a:t>2020-06-07</a:t>
             </a:fld>
             <a:endParaRPr lang="ko-KR" altLang="en-US"/>
           </a:p>
@@ -1349,7 +1350,7 @@
           <a:p>
             <a:fld id="{9796D750-4F1E-4120-A5FF-8721600070DC}" type="datetimeFigureOut">
               <a:rPr lang="ko-KR" altLang="en-US" smtClean="0"/>
-              <a:t>2020-06-04</a:t>
+              <a:t>2020-06-07</a:t>
             </a:fld>
             <a:endParaRPr lang="ko-KR" altLang="en-US"/>
           </a:p>
@@ -1771,7 +1772,7 @@
           <a:p>
             <a:fld id="{9796D750-4F1E-4120-A5FF-8721600070DC}" type="datetimeFigureOut">
               <a:rPr lang="ko-KR" altLang="en-US" smtClean="0"/>
-              <a:t>2020-06-04</a:t>
+              <a:t>2020-06-07</a:t>
             </a:fld>
             <a:endParaRPr lang="ko-KR" altLang="en-US"/>
           </a:p>
@@ -1889,7 +1890,7 @@
           <a:p>
             <a:fld id="{9796D750-4F1E-4120-A5FF-8721600070DC}" type="datetimeFigureOut">
               <a:rPr lang="ko-KR" altLang="en-US" smtClean="0"/>
-              <a:t>2020-06-04</a:t>
+              <a:t>2020-06-07</a:t>
             </a:fld>
             <a:endParaRPr lang="ko-KR" altLang="en-US"/>
           </a:p>
@@ -1984,7 +1985,7 @@
           <a:p>
             <a:fld id="{9796D750-4F1E-4120-A5FF-8721600070DC}" type="datetimeFigureOut">
               <a:rPr lang="ko-KR" altLang="en-US" smtClean="0"/>
-              <a:t>2020-06-04</a:t>
+              <a:t>2020-06-07</a:t>
             </a:fld>
             <a:endParaRPr lang="ko-KR" altLang="en-US"/>
           </a:p>
@@ -2261,7 +2262,7 @@
           <a:p>
             <a:fld id="{9796D750-4F1E-4120-A5FF-8721600070DC}" type="datetimeFigureOut">
               <a:rPr lang="ko-KR" altLang="en-US" smtClean="0"/>
-              <a:t>2020-06-04</a:t>
+              <a:t>2020-06-07</a:t>
             </a:fld>
             <a:endParaRPr lang="ko-KR" altLang="en-US"/>
           </a:p>
@@ -2514,7 +2515,7 @@
           <a:p>
             <a:fld id="{9796D750-4F1E-4120-A5FF-8721600070DC}" type="datetimeFigureOut">
               <a:rPr lang="ko-KR" altLang="en-US" smtClean="0"/>
-              <a:t>2020-06-04</a:t>
+              <a:t>2020-06-07</a:t>
             </a:fld>
             <a:endParaRPr lang="ko-KR" altLang="en-US"/>
           </a:p>
@@ -2727,7 +2728,7 @@
           <a:p>
             <a:fld id="{9796D750-4F1E-4120-A5FF-8721600070DC}" type="datetimeFigureOut">
               <a:rPr lang="ko-KR" altLang="en-US" smtClean="0"/>
-              <a:t>2020-06-04</a:t>
+              <a:t>2020-06-07</a:t>
             </a:fld>
             <a:endParaRPr lang="ko-KR" altLang="en-US"/>
           </a:p>
@@ -3715,6 +3716,13 @@
   <p:clrMapOvr>
     <a:masterClrMapping/>
   </p:clrMapOvr>
+  <p:timing>
+    <p:tnLst>
+      <p:par>
+        <p:cTn id="1" dur="indefinite" restart="never" nodeType="tmRoot"/>
+      </p:par>
+    </p:tnLst>
+  </p:timing>
 </p:sld>
 </file>
 
@@ -3870,6 +3878,13 @@
   <p:clrMapOvr>
     <a:masterClrMapping/>
   </p:clrMapOvr>
+  <p:timing>
+    <p:tnLst>
+      <p:par>
+        <p:cTn id="1" dur="indefinite" restart="never" nodeType="tmRoot"/>
+      </p:par>
+    </p:tnLst>
+  </p:timing>
 </p:sld>
 </file>
 
@@ -4021,6 +4036,13 @@
   <p:clrMapOvr>
     <a:masterClrMapping/>
   </p:clrMapOvr>
+  <p:timing>
+    <p:tnLst>
+      <p:par>
+        <p:cTn id="1" dur="indefinite" restart="never" nodeType="tmRoot"/>
+      </p:par>
+    </p:tnLst>
+  </p:timing>
 </p:sld>
 </file>
 
@@ -4168,6 +4190,13 @@
   <p:clrMapOvr>
     <a:masterClrMapping/>
   </p:clrMapOvr>
+  <p:timing>
+    <p:tnLst>
+      <p:par>
+        <p:cTn id="1" dur="indefinite" restart="never" nodeType="tmRoot"/>
+      </p:par>
+    </p:tnLst>
+  </p:timing>
 </p:sld>
 </file>
 
@@ -4315,6 +4344,175 @@
   <p:clrMapOvr>
     <a:masterClrMapping/>
   </p:clrMapOvr>
+  <p:timing>
+    <p:tnLst>
+      <p:par>
+        <p:cTn id="1" dur="indefinite" restart="never" nodeType="tmRoot"/>
+      </p:par>
+    </p:tnLst>
+  </p:timing>
+</p:sld>
+</file>
+
+<file path=ppt/slides/slide9.xml><?xml version="1.0" encoding="utf-8"?>
+<p:sld xmlns:a="http://schemas.openxmlformats.org/drawingml/2006/main" xmlns:r="http://schemas.openxmlformats.org/officeDocument/2006/relationships" xmlns:p="http://schemas.openxmlformats.org/presentationml/2006/main">
+  <p:cSld>
+    <p:spTree>
+      <p:nvGrpSpPr>
+        <p:cNvPr id="1" name=""/>
+        <p:cNvGrpSpPr/>
+        <p:nvPr/>
+      </p:nvGrpSpPr>
+      <p:grpSpPr>
+        <a:xfrm>
+          <a:off x="0" y="0"/>
+          <a:ext cx="0" cy="0"/>
+          <a:chOff x="0" y="0"/>
+          <a:chExt cx="0" cy="0"/>
+        </a:xfrm>
+      </p:grpSpPr>
+      <p:sp>
+        <p:nvSpPr>
+          <p:cNvPr id="2" name="직사각형 1"/>
+          <p:cNvSpPr/>
+          <p:nvPr/>
+        </p:nvSpPr>
+        <p:spPr>
+          <a:xfrm rot="10800000">
+            <a:off x="2771800" y="1484784"/>
+            <a:ext cx="3600000" cy="3600000"/>
+          </a:xfrm>
+          <a:prstGeom prst="rect">
+            <a:avLst/>
+          </a:prstGeom>
+          <a:solidFill>
+            <a:schemeClr val="bg1">
+              <a:lumMod val="95000"/>
+            </a:schemeClr>
+          </a:solidFill>
+          <a:ln>
+            <a:solidFill>
+              <a:schemeClr val="tx1"/>
+            </a:solidFill>
+          </a:ln>
+        </p:spPr>
+        <p:style>
+          <a:lnRef idx="2">
+            <a:schemeClr val="accent1">
+              <a:shade val="50000"/>
+            </a:schemeClr>
+          </a:lnRef>
+          <a:fillRef idx="1">
+            <a:schemeClr val="accent1"/>
+          </a:fillRef>
+          <a:effectRef idx="0">
+            <a:schemeClr val="accent1"/>
+          </a:effectRef>
+          <a:fontRef idx="minor">
+            <a:schemeClr val="lt1"/>
+          </a:fontRef>
+        </p:style>
+        <p:txBody>
+          <a:bodyPr rtlCol="0" anchor="ctr"/>
+          <a:lstStyle/>
+          <a:p>
+            <a:pPr algn="ctr"/>
+            <a:endParaRPr lang="ko-KR" altLang="en-US"/>
+          </a:p>
+        </p:txBody>
+      </p:sp>
+      <p:sp>
+        <p:nvSpPr>
+          <p:cNvPr id="3" name="직사각형 2"/>
+          <p:cNvSpPr/>
+          <p:nvPr/>
+        </p:nvSpPr>
+        <p:spPr>
+          <a:xfrm>
+            <a:off x="2951799" y="1664784"/>
+            <a:ext cx="3204377" cy="3276384"/>
+          </a:xfrm>
+          <a:prstGeom prst="rect">
+            <a:avLst/>
+          </a:prstGeom>
+          <a:noFill/>
+          <a:ln>
+            <a:noFill/>
+          </a:ln>
+        </p:spPr>
+        <p:style>
+          <a:lnRef idx="2">
+            <a:schemeClr val="accent1">
+              <a:shade val="50000"/>
+            </a:schemeClr>
+          </a:lnRef>
+          <a:fillRef idx="1">
+            <a:schemeClr val="accent1"/>
+          </a:fillRef>
+          <a:effectRef idx="0">
+            <a:schemeClr val="accent1"/>
+          </a:effectRef>
+          <a:fontRef idx="minor">
+            <a:schemeClr val="lt1"/>
+          </a:fontRef>
+        </p:style>
+        <p:txBody>
+          <a:bodyPr rtlCol="0" anchor="ctr"/>
+          <a:lstStyle/>
+          <a:p>
+            <a:pPr algn="ctr"/>
+            <a:r>
+              <a:rPr lang="en-US" altLang="ko-KR" dirty="0" smtClean="0">
+                <a:solidFill>
+                  <a:schemeClr val="tx1"/>
+                </a:solidFill>
+              </a:rPr>
+              <a:t>0 1 2 3 4 5 6 7 8 9</a:t>
+            </a:r>
+          </a:p>
+          <a:p>
+            <a:pPr algn="ctr"/>
+            <a:r>
+              <a:rPr lang="en-US" altLang="ko-KR" dirty="0" smtClean="0">
+                <a:solidFill>
+                  <a:schemeClr val="tx1"/>
+                </a:solidFill>
+              </a:rPr>
+              <a:t>A </a:t>
+            </a:r>
+            <a:r>
+              <a:rPr lang="en-US" altLang="ko-KR" dirty="0" smtClean="0">
+                <a:solidFill>
+                  <a:schemeClr val="tx1"/>
+                </a:solidFill>
+              </a:rPr>
+              <a:t>B C D E F G H I J K L M N O P Q R S T U V W X Y Z</a:t>
+            </a:r>
+            <a:endParaRPr lang="ko-KR" altLang="en-US" dirty="0">
+              <a:solidFill>
+                <a:schemeClr val="tx1"/>
+              </a:solidFill>
+            </a:endParaRPr>
+          </a:p>
+        </p:txBody>
+      </p:sp>
+    </p:spTree>
+    <p:extLst>
+      <p:ext uri="{BB962C8B-B14F-4D97-AF65-F5344CB8AC3E}">
+        <p14:creationId xmlns:p14="http://schemas.microsoft.com/office/powerpoint/2010/main" val="4257907796"/>
+      </p:ext>
+    </p:extLst>
+  </p:cSld>
+  <p:clrMapOvr>
+    <a:masterClrMapping/>
+  </p:clrMapOvr>
+  <p:timing>
+    <p:tnLst>
+      <p:par>
+        <p:cTn id="1" dur="indefinite" restart="never" nodeType="tmRoot"/>
+      </p:par>
+    </p:tnLst>
+  </p:timing>
 </p:sld>
 </file>
 
